--- a/software prsentations2.pptx
+++ b/software prsentations2.pptx
@@ -466,12 +466,12 @@
         </c:dLbls>
         <c:gapWidth val="150"/>
         <c:shape val="box"/>
-        <c:axId val="-1140741680"/>
-        <c:axId val="-1140753104"/>
+        <c:axId val="139130736"/>
+        <c:axId val="139137808"/>
         <c:axId val="0"/>
       </c:bar3DChart>
       <c:catAx>
-        <c:axId val="-1140741680"/>
+        <c:axId val="139130736"/>
         <c:scaling>
           <c:orientation val="minMax"/>
         </c:scaling>
@@ -508,7 +508,7 @@
             <a:endParaRPr lang="en-US"/>
           </a:p>
         </c:txPr>
-        <c:crossAx val="-1140753104"/>
+        <c:crossAx val="139137808"/>
         <c:crosses val="autoZero"/>
         <c:auto val="1"/>
         <c:lblAlgn val="ctr"/>
@@ -516,7 +516,7 @@
         <c:noMultiLvlLbl val="0"/>
       </c:catAx>
       <c:valAx>
-        <c:axId val="-1140753104"/>
+        <c:axId val="139137808"/>
         <c:scaling>
           <c:orientation val="minMax"/>
         </c:scaling>
@@ -571,7 +571,7 @@
             <a:endParaRPr lang="en-US"/>
           </a:p>
         </c:txPr>
-        <c:crossAx val="-1140741680"/>
+        <c:crossAx val="139130736"/>
         <c:crosses val="autoZero"/>
         <c:crossBetween val="between"/>
       </c:valAx>
@@ -743,7 +743,7 @@
             <a:fld id="{25FA5D09-882C-4612-8322-A0DF7F7FF8E2}" type="datetimeFigureOut">
               <a:rPr lang="en-US" smtClean="0"/>
               <a:pPr/>
-              <a:t>3/2/2020</a:t>
+              <a:t>2/28/2020</a:t>
             </a:fld>
             <a:endParaRPr lang="en-US"/>
           </a:p>
@@ -9895,7 +9895,7 @@
             <a:fld id="{A34A69AA-30CC-4666-B38D-1AA247037FE7}" type="datetimeFigureOut">
               <a:rPr lang="en-US" smtClean="0"/>
               <a:pPr/>
-              <a:t>3/2/2020</a:t>
+              <a:t>2/28/2020</a:t>
             </a:fld>
             <a:endParaRPr lang="en-US"/>
           </a:p>
@@ -10104,7 +10104,7 @@
             <a:fld id="{A34A69AA-30CC-4666-B38D-1AA247037FE7}" type="datetimeFigureOut">
               <a:rPr lang="en-US" smtClean="0"/>
               <a:pPr/>
-              <a:t>3/2/2020</a:t>
+              <a:t>2/28/2020</a:t>
             </a:fld>
             <a:endParaRPr lang="en-US"/>
           </a:p>
@@ -10286,7 +10286,7 @@
             <a:fld id="{A34A69AA-30CC-4666-B38D-1AA247037FE7}" type="datetimeFigureOut">
               <a:rPr lang="en-US" smtClean="0"/>
               <a:pPr/>
-              <a:t>3/2/2020</a:t>
+              <a:t>2/28/2020</a:t>
             </a:fld>
             <a:endParaRPr lang="en-US"/>
           </a:p>
@@ -10493,7 +10493,7 @@
             <a:fld id="{A34A69AA-30CC-4666-B38D-1AA247037FE7}" type="datetimeFigureOut">
               <a:rPr lang="en-US" smtClean="0"/>
               <a:pPr/>
-              <a:t>3/2/2020</a:t>
+              <a:t>2/28/2020</a:t>
             </a:fld>
             <a:endParaRPr lang="en-US"/>
           </a:p>
@@ -19393,7 +19393,7 @@
             <a:fld id="{A34A69AA-30CC-4666-B38D-1AA247037FE7}" type="datetimeFigureOut">
               <a:rPr lang="en-US" smtClean="0"/>
               <a:pPr/>
-              <a:t>3/2/2020</a:t>
+              <a:t>2/28/2020</a:t>
             </a:fld>
             <a:endParaRPr lang="en-US"/>
           </a:p>
@@ -19669,7 +19669,7 @@
             <a:fld id="{A34A69AA-30CC-4666-B38D-1AA247037FE7}" type="datetimeFigureOut">
               <a:rPr lang="en-US" smtClean="0"/>
               <a:pPr/>
-              <a:t>3/2/2020</a:t>
+              <a:t>2/28/2020</a:t>
             </a:fld>
             <a:endParaRPr lang="en-US"/>
           </a:p>
@@ -20069,7 +20069,7 @@
             <a:fld id="{A34A69AA-30CC-4666-B38D-1AA247037FE7}" type="datetimeFigureOut">
               <a:rPr lang="en-US" smtClean="0"/>
               <a:pPr/>
-              <a:t>3/2/2020</a:t>
+              <a:t>2/28/2020</a:t>
             </a:fld>
             <a:endParaRPr lang="en-US"/>
           </a:p>
@@ -20189,7 +20189,7 @@
             <a:fld id="{A34A69AA-30CC-4666-B38D-1AA247037FE7}" type="datetimeFigureOut">
               <a:rPr lang="en-US" smtClean="0"/>
               <a:pPr/>
-              <a:t>3/2/2020</a:t>
+              <a:t>2/28/2020</a:t>
             </a:fld>
             <a:endParaRPr lang="en-US"/>
           </a:p>
@@ -20286,7 +20286,7 @@
             <a:fld id="{A34A69AA-30CC-4666-B38D-1AA247037FE7}" type="datetimeFigureOut">
               <a:rPr lang="en-US" smtClean="0"/>
               <a:pPr/>
-              <a:t>3/2/2020</a:t>
+              <a:t>2/28/2020</a:t>
             </a:fld>
             <a:endParaRPr lang="en-US"/>
           </a:p>
@@ -20578,7 +20578,7 @@
             <a:fld id="{A34A69AA-30CC-4666-B38D-1AA247037FE7}" type="datetimeFigureOut">
               <a:rPr lang="en-US" smtClean="0"/>
               <a:pPr/>
-              <a:t>3/2/2020</a:t>
+              <a:t>2/28/2020</a:t>
             </a:fld>
             <a:endParaRPr lang="en-US"/>
           </a:p>
@@ -20860,7 +20860,7 @@
             <a:fld id="{A34A69AA-30CC-4666-B38D-1AA247037FE7}" type="datetimeFigureOut">
               <a:rPr lang="en-US" smtClean="0"/>
               <a:pPr/>
-              <a:t>3/2/2020</a:t>
+              <a:t>2/28/2020</a:t>
             </a:fld>
             <a:endParaRPr lang="en-US"/>
           </a:p>
@@ -21112,7 +21112,7 @@
             <a:fld id="{A34A69AA-30CC-4666-B38D-1AA247037FE7}" type="datetimeFigureOut">
               <a:rPr lang="en-US" smtClean="0"/>
               <a:pPr/>
-              <a:t>3/2/2020</a:t>
+              <a:t>2/28/2020</a:t>
             </a:fld>
             <a:endParaRPr lang="en-US"/>
           </a:p>
@@ -22080,6 +22080,10 @@
               </a:rPr>
               <a:t>ABUL HOSSAIN</a:t>
             </a:r>
+            <a:endParaRPr lang="en-US" dirty="0" smtClean="0">
+              <a:latin typeface="Arial" pitchFamily="34" charset="0"/>
+              <a:cs typeface="Arial" pitchFamily="34" charset="0"/>
+            </a:endParaRPr>
           </a:p>
           <a:p>
             <a:r>
@@ -22087,7 +22091,14 @@
                 <a:latin typeface="Arial" pitchFamily="34" charset="0"/>
                 <a:cs typeface="Arial" pitchFamily="34" charset="0"/>
               </a:rPr>
-              <a:t>     163432558</a:t>
+              <a:t>     </a:t>
+            </a:r>
+            <a:r>
+              <a:rPr lang="en-US" dirty="0" smtClean="0">
+                <a:latin typeface="Arial" pitchFamily="34" charset="0"/>
+                <a:cs typeface="Arial" pitchFamily="34" charset="0"/>
+              </a:rPr>
+              <a:t>163432558</a:t>
             </a:r>
             <a:endParaRPr lang="en-US" dirty="0">
               <a:latin typeface="Arial" pitchFamily="34" charset="0"/>
@@ -22790,7 +22801,7 @@
         </p:nvCxnSpPr>
         <p:spPr>
           <a:xfrm flipV="1">
-            <a:off x="1884216" y="1448865"/>
+            <a:off x="2036618" y="1427018"/>
             <a:ext cx="1745673" cy="27709"/>
           </a:xfrm>
           <a:prstGeom prst="straightConnector1">
@@ -23486,12 +23497,15 @@
       <p:cxnSp>
         <p:nvCxnSpPr>
           <p:cNvPr id="339" name="Straight Arrow Connector 338"/>
-          <p:cNvCxnSpPr/>
+          <p:cNvCxnSpPr>
+            <a:stCxn id="54" idx="1"/>
+            <a:endCxn id="335" idx="3"/>
+          </p:cNvCxnSpPr>
           <p:nvPr/>
         </p:nvCxnSpPr>
         <p:spPr>
           <a:xfrm rot="10800000">
-            <a:off x="8762103" y="1473138"/>
+            <a:off x="9005456" y="1473139"/>
             <a:ext cx="623453" cy="9298"/>
           </a:xfrm>
           <a:prstGeom prst="straightConnector1">
@@ -25530,7 +25544,7 @@
         </p:nvSpPr>
         <p:spPr>
           <a:xfrm>
-            <a:off x="275121" y="2111340"/>
+            <a:off x="703384" y="2203938"/>
             <a:ext cx="11406554" cy="4572000"/>
           </a:xfrm>
           <a:prstGeom prst="rect">
@@ -26146,6 +26160,7 @@
               <a:rPr lang="en-US" sz="3200" dirty="0" smtClean="0"/>
               <a:t>Problem Statement</a:t>
             </a:r>
+            <a:endParaRPr lang="en-US" sz="3200" dirty="0" smtClean="0"/>
           </a:p>
           <a:p>
             <a:pPr algn="ctr"/>
@@ -26345,6 +26360,7 @@
               <a:rPr lang="en-US" sz="2400" b="1" dirty="0" smtClean="0"/>
               <a:t>Register/login (admin, farmer, user)</a:t>
             </a:r>
+            <a:endParaRPr lang="en-US" sz="2400" b="1" dirty="0" smtClean="0"/>
           </a:p>
         </p:txBody>
       </p:sp>
@@ -26386,6 +26402,7 @@
               <a:rPr lang="en-US" sz="2400" b="1" dirty="0" smtClean="0"/>
               <a:t>Permission(Admin Management)</a:t>
             </a:r>
+            <a:endParaRPr lang="en-US" sz="2400" b="1" dirty="0" smtClean="0"/>
           </a:p>
         </p:txBody>
       </p:sp>
@@ -26550,6 +26567,7 @@
               <a:rPr lang="en-US" sz="2400" b="1" dirty="0" smtClean="0"/>
               <a:t>Add to Cart</a:t>
             </a:r>
+            <a:endParaRPr lang="en-US" sz="2400" b="1" dirty="0" smtClean="0"/>
           </a:p>
         </p:txBody>
       </p:sp>
@@ -27723,7 +27741,11 @@
             <a:pPr algn="ctr"/>
             <a:r>
               <a:rPr lang="en-US" sz="3600" dirty="0" smtClean="0"/>
-              <a:t>USE CASE DIAGRAM</a:t>
+              <a:t>USE CASE </a:t>
+            </a:r>
+            <a:r>
+              <a:rPr lang="en-US" sz="3600" dirty="0" smtClean="0"/>
+              <a:t>DIAGRAM</a:t>
             </a:r>
             <a:endParaRPr lang="en-US" sz="3600" dirty="0"/>
           </a:p>
@@ -27751,8 +27773,8 @@
         </p:blipFill>
         <p:spPr>
           <a:xfrm>
-            <a:off x="2338085" y="852583"/>
-            <a:ext cx="7119499" cy="5947403"/>
+            <a:off x="2268639" y="852583"/>
+            <a:ext cx="7188946" cy="6005417"/>
           </a:xfrm>
           <a:prstGeom prst="rect">
             <a:avLst/>
